--- a/Airbnb/Documents/Airbnb - Capstone Project - Deck.pptx
+++ b/Airbnb/Documents/Airbnb - Capstone Project - Deck.pptx
@@ -16,6 +16,7 @@
     <p:sldId id="265" r:id="rId10"/>
     <p:sldId id="266" r:id="rId11"/>
     <p:sldId id="267" r:id="rId12"/>
+    <p:sldId id="270" r:id="rId13"/>
   </p:sldIdLst>
   <p:sldSz cx="12192000" cy="6858000"/>
   <p:notesSz cx="6858000" cy="9144000"/>
@@ -6137,20 +6138,13 @@
         </p:spPr>
         <p:txBody>
           <a:bodyPr>
-            <a:normAutofit fontScale="70000" lnSpcReduction="20000"/>
+            <a:normAutofit fontScale="62500" lnSpcReduction="20000"/>
           </a:bodyPr>
           <a:lstStyle/>
           <a:p>
             <a:endParaRPr lang="en-US" dirty="0"/>
           </a:p>
           <a:p>
-            <a:br>
-              <a:rPr lang="en-US" sz="3600" b="1" dirty="0">
-                <a:latin typeface="Segoe UI" panose="020B0502040204020203" pitchFamily="34" charset="0"/>
-                <a:ea typeface="Segoe UI" panose="020B0502040204020203" pitchFamily="34" charset="0"/>
-                <a:cs typeface="Segoe UI" panose="020B0502040204020203" pitchFamily="34" charset="0"/>
-              </a:rPr>
-            </a:br>
             <a:br>
               <a:rPr lang="en-US" sz="3600" dirty="0">
                 <a:latin typeface="Segoe UI" panose="020B0502040204020203" pitchFamily="34" charset="0"/>
@@ -6203,6 +6197,65 @@
               </a:rPr>
               <a:t>Foundations of Data Science Workshop by Springboard</a:t>
             </a:r>
+            <a:br>
+              <a:rPr lang="en-US" sz="2600" b="1" i="1" dirty="0">
+                <a:solidFill>
+                  <a:schemeClr val="accent1">
+                    <a:lumMod val="75000"/>
+                  </a:schemeClr>
+                </a:solidFill>
+                <a:latin typeface="Segoe UI" panose="020B0502040204020203" pitchFamily="34" charset="0"/>
+                <a:ea typeface="Segoe UI" panose="020B0502040204020203" pitchFamily="34" charset="0"/>
+                <a:cs typeface="Segoe UI" panose="020B0502040204020203" pitchFamily="34" charset="0"/>
+              </a:rPr>
+            </a:br>
+            <a:br>
+              <a:rPr lang="en-US" sz="2600" b="1" i="1" dirty="0">
+                <a:solidFill>
+                  <a:srgbClr val="C00000"/>
+                </a:solidFill>
+                <a:latin typeface="Segoe UI" panose="020B0502040204020203" pitchFamily="34" charset="0"/>
+                <a:ea typeface="Segoe UI" panose="020B0502040204020203" pitchFamily="34" charset="0"/>
+                <a:cs typeface="Segoe UI" panose="020B0502040204020203" pitchFamily="34" charset="0"/>
+              </a:rPr>
+            </a:br>
+            <a:r>
+              <a:rPr lang="en-US" sz="2600" b="1" dirty="0">
+                <a:solidFill>
+                  <a:srgbClr val="C00000"/>
+                </a:solidFill>
+                <a:latin typeface="Segoe UI" panose="020B0502040204020203" pitchFamily="34" charset="0"/>
+                <a:ea typeface="Segoe UI" panose="020B0502040204020203" pitchFamily="34" charset="0"/>
+                <a:cs typeface="Segoe UI" panose="020B0502040204020203" pitchFamily="34" charset="0"/>
+              </a:rPr>
+              <a:t>Mentored by Anirban Ghosh, Nokia</a:t>
+            </a:r>
+          </a:p>
+          <a:p>
+            <a:endParaRPr lang="en-US" sz="2600" b="1" i="1" dirty="0">
+              <a:solidFill>
+                <a:schemeClr val="accent1">
+                  <a:lumMod val="75000"/>
+                </a:schemeClr>
+              </a:solidFill>
+              <a:latin typeface="Segoe UI" panose="020B0502040204020203" pitchFamily="34" charset="0"/>
+              <a:ea typeface="Segoe UI" panose="020B0502040204020203" pitchFamily="34" charset="0"/>
+              <a:cs typeface="Segoe UI" panose="020B0502040204020203" pitchFamily="34" charset="0"/>
+            </a:endParaRPr>
+          </a:p>
+          <a:p>
+            <a:endParaRPr lang="en-US" sz="2600" b="1" i="1" dirty="0">
+              <a:solidFill>
+                <a:schemeClr val="accent1">
+                  <a:lumMod val="75000"/>
+                </a:schemeClr>
+              </a:solidFill>
+              <a:latin typeface="Segoe UI" panose="020B0502040204020203" pitchFamily="34" charset="0"/>
+              <a:ea typeface="Segoe UI" panose="020B0502040204020203" pitchFamily="34" charset="0"/>
+              <a:cs typeface="Segoe UI" panose="020B0502040204020203" pitchFamily="34" charset="0"/>
+            </a:endParaRPr>
+          </a:p>
+          <a:p>
             <a:endParaRPr lang="en-US" sz="2600" dirty="0">
               <a:solidFill>
                 <a:schemeClr val="accent1">
@@ -6715,6 +6768,105 @@
     <p:extLst>
       <p:ext uri="{BB962C8B-B14F-4D97-AF65-F5344CB8AC3E}">
         <p14:creationId xmlns:p14="http://schemas.microsoft.com/office/powerpoint/2010/main" val="1946811568"/>
+      </p:ext>
+    </p:extLst>
+  </p:cSld>
+  <p:clrMapOvr>
+    <a:masterClrMapping/>
+  </p:clrMapOvr>
+</p:sld>
+</file>
+
+<file path=ppt/slides/slide12.xml><?xml version="1.0" encoding="utf-8"?>
+<p:sld xmlns:a="http://schemas.openxmlformats.org/drawingml/2006/main" xmlns:r="http://schemas.openxmlformats.org/officeDocument/2006/relationships" xmlns:p="http://schemas.openxmlformats.org/presentationml/2006/main">
+  <p:cSld>
+    <p:spTree>
+      <p:nvGrpSpPr>
+        <p:cNvPr id="1" name=""/>
+        <p:cNvGrpSpPr/>
+        <p:nvPr/>
+      </p:nvGrpSpPr>
+      <p:grpSpPr>
+        <a:xfrm>
+          <a:off x="0" y="0"/>
+          <a:ext cx="0" cy="0"/>
+          <a:chOff x="0" y="0"/>
+          <a:chExt cx="0" cy="0"/>
+        </a:xfrm>
+      </p:grpSpPr>
+      <p:sp>
+        <p:nvSpPr>
+          <p:cNvPr id="2" name="Title 1">
+            <a:extLst>
+              <a:ext uri="{FF2B5EF4-FFF2-40B4-BE49-F238E27FC236}">
+                <a16:creationId xmlns:a16="http://schemas.microsoft.com/office/drawing/2014/main" id="{307B3198-36A0-46E4-801C-8260A4DF4689}"/>
+              </a:ext>
+            </a:extLst>
+          </p:cNvPr>
+          <p:cNvSpPr>
+            <a:spLocks noGrp="1"/>
+          </p:cNvSpPr>
+          <p:nvPr>
+            <p:ph type="title"/>
+          </p:nvPr>
+        </p:nvSpPr>
+        <p:spPr>
+          <a:xfrm>
+            <a:off x="838200" y="2368097"/>
+            <a:ext cx="10515600" cy="1325563"/>
+          </a:xfrm>
+          <a:gradFill>
+            <a:gsLst>
+              <a:gs pos="0">
+                <a:schemeClr val="accent2">
+                  <a:lumMod val="5000"/>
+                  <a:lumOff val="95000"/>
+                </a:schemeClr>
+              </a:gs>
+              <a:gs pos="74000">
+                <a:schemeClr val="accent2">
+                  <a:lumMod val="45000"/>
+                  <a:lumOff val="55000"/>
+                </a:schemeClr>
+              </a:gs>
+              <a:gs pos="83000">
+                <a:schemeClr val="accent2">
+                  <a:lumMod val="45000"/>
+                  <a:lumOff val="55000"/>
+                </a:schemeClr>
+              </a:gs>
+              <a:gs pos="100000">
+                <a:schemeClr val="accent2">
+                  <a:lumMod val="30000"/>
+                  <a:lumOff val="70000"/>
+                </a:schemeClr>
+              </a:gs>
+            </a:gsLst>
+            <a:lin ang="5400000" scaled="1"/>
+          </a:gradFill>
+        </p:spPr>
+        <p:txBody>
+          <a:bodyPr>
+            <a:normAutofit/>
+          </a:bodyPr>
+          <a:lstStyle/>
+          <a:p>
+            <a:pPr algn="ctr"/>
+            <a:r>
+              <a:rPr lang="en-US" b="1" dirty="0">
+                <a:latin typeface="Segoe UI" panose="020B0502040204020203" pitchFamily="34" charset="0"/>
+                <a:ea typeface="Segoe UI" panose="020B0502040204020203" pitchFamily="34" charset="0"/>
+                <a:cs typeface="Segoe UI" panose="020B0502040204020203" pitchFamily="34" charset="0"/>
+              </a:rPr>
+              <a:t>Thank you!</a:t>
+            </a:r>
+          </a:p>
+        </p:txBody>
+      </p:sp>
+    </p:spTree>
+    <p:extLst>
+      <p:ext uri="{BB962C8B-B14F-4D97-AF65-F5344CB8AC3E}">
+        <p14:creationId xmlns:p14="http://schemas.microsoft.com/office/powerpoint/2010/main" val="486296856"/>
       </p:ext>
     </p:extLst>
   </p:cSld>

--- a/Airbnb/Documents/Airbnb - Capstone Project - Deck.pptx
+++ b/Airbnb/Documents/Airbnb - Capstone Project - Deck.pptx
@@ -6293,7 +6293,7 @@
         </p:blipFill>
         <p:spPr bwMode="auto">
           <a:xfrm>
-            <a:off x="1630016" y="4708491"/>
+            <a:off x="1630016" y="4194314"/>
             <a:ext cx="1857375" cy="809625"/>
           </a:xfrm>
           <a:prstGeom prst="rect">
@@ -6332,7 +6332,7 @@
         </p:blipFill>
         <p:spPr bwMode="auto">
           <a:xfrm>
-            <a:off x="9084156" y="4784692"/>
+            <a:off x="9070904" y="4324212"/>
             <a:ext cx="1285875" cy="657225"/>
           </a:xfrm>
           <a:prstGeom prst="rect">
